--- a/doc/Real-Time Anomaly Detection System for Highway Traffic.pptx
+++ b/doc/Real-Time Anomaly Detection System for Highway Traffic.pptx
@@ -121,6 +121,11 @@
       </a:defRPr>
     </a:lvl9pPr>
   </p:defaultTextStyle>
+  <p:extLst>
+    <p:ext uri="{EFAFB233-063F-42B5-8137-9DF3F51BA10A}">
+      <p15:sldGuideLst xmlns:p15="http://schemas.microsoft.com/office/powerpoint/2012/main"/>
+    </p:ext>
+  </p:extLst>
 </p:presentation>
 </file>
 
@@ -5070,9 +5075,24 @@
           </a:p>
           <a:p>
             <a:r>
+              <a:rPr lang="en-US" b="1" dirty="0" err="1"/>
+              <a:t>Github</a:t>
+            </a:r>
+            <a:r>
+              <a:rPr lang="en-US" b="1" dirty="0"/>
+              <a:t> Repo</a:t>
+            </a:r>
+            <a:r>
               <a:rPr lang="en-US" dirty="0"/>
-              <a:t>GitHub: </a:t>
-            </a:r>
+              <a:t>: </a:t>
+            </a:r>
+            <a:r>
+              <a:rPr lang="en-US" dirty="0">
+                <a:hlinkClick r:id="rId7"/>
+              </a:rPr>
+              <a:t>https://github.com/kotlarmilos/anomalydetection</a:t>
+            </a:r>
+            <a:endParaRPr lang="en-US" dirty="0"/>
           </a:p>
         </p:txBody>
       </p:sp>

--- a/doc/Real-Time Anomaly Detection System for Highway Traffic.pptx
+++ b/doc/Real-Time Anomaly Detection System for Highway Traffic.pptx
@@ -5,7 +5,7 @@
     <p:sldMasterId id="2147483648" r:id="rId1"/>
   </p:sldMasterIdLst>
   <p:notesMasterIdLst>
-    <p:notesMasterId r:id="rId17"/>
+    <p:notesMasterId r:id="rId24"/>
   </p:notesMasterIdLst>
   <p:sldIdLst>
     <p:sldId id="256" r:id="rId2"/>
@@ -23,6 +23,13 @@
     <p:sldId id="269" r:id="rId14"/>
     <p:sldId id="270" r:id="rId15"/>
     <p:sldId id="271" r:id="rId16"/>
+    <p:sldId id="272" r:id="rId17"/>
+    <p:sldId id="273" r:id="rId18"/>
+    <p:sldId id="274" r:id="rId19"/>
+    <p:sldId id="275" r:id="rId20"/>
+    <p:sldId id="276" r:id="rId21"/>
+    <p:sldId id="277" r:id="rId22"/>
+    <p:sldId id="278" r:id="rId23"/>
   </p:sldIdLst>
   <p:sldSz cx="12192000" cy="6858000"/>
   <p:notesSz cx="6858000" cy="9144000"/>
@@ -211,7 +218,7 @@
           <a:p>
             <a:fld id="{9FDEE3B7-09A1-4CB5-9DC0-FA9D6473D7B4}" type="datetimeFigureOut">
               <a:rPr lang="en-GB" smtClean="0"/>
-              <a:t>30/04/2019</a:t>
+              <a:t>28/08/2019</a:t>
             </a:fld>
             <a:endParaRPr lang="en-GB"/>
           </a:p>
@@ -628,7 +635,7 @@
           <a:p>
             <a:fld id="{2EC69B2D-48E6-4BED-BDF9-8F033AD1F877}" type="datetime1">
               <a:rPr lang="en-GB" smtClean="0"/>
-              <a:t>30/04/2019</a:t>
+              <a:t>28/08/2019</a:t>
             </a:fld>
             <a:endParaRPr lang="en-GB"/>
           </a:p>
@@ -828,7 +835,7 @@
           <a:p>
             <a:fld id="{ED9E568D-66BC-4D1A-914D-2E8D089BDCEB}" type="datetime1">
               <a:rPr lang="en-GB" smtClean="0"/>
-              <a:t>30/04/2019</a:t>
+              <a:t>28/08/2019</a:t>
             </a:fld>
             <a:endParaRPr lang="en-GB"/>
           </a:p>
@@ -1038,7 +1045,7 @@
           <a:p>
             <a:fld id="{E0162846-AC4C-4141-AE4D-102DEF3F79FB}" type="datetime1">
               <a:rPr lang="en-GB" smtClean="0"/>
-              <a:t>30/04/2019</a:t>
+              <a:t>28/08/2019</a:t>
             </a:fld>
             <a:endParaRPr lang="en-GB"/>
           </a:p>
@@ -1238,7 +1245,7 @@
           <a:p>
             <a:fld id="{CBD7A953-EC22-43B6-92DA-A70EC3556231}" type="datetime1">
               <a:rPr lang="en-GB" smtClean="0"/>
-              <a:t>30/04/2019</a:t>
+              <a:t>28/08/2019</a:t>
             </a:fld>
             <a:endParaRPr lang="en-GB"/>
           </a:p>
@@ -1514,7 +1521,7 @@
           <a:p>
             <a:fld id="{F4C6BA32-1988-442F-B177-6E5D39380058}" type="datetime1">
               <a:rPr lang="en-GB" smtClean="0"/>
-              <a:t>30/04/2019</a:t>
+              <a:t>28/08/2019</a:t>
             </a:fld>
             <a:endParaRPr lang="en-GB"/>
           </a:p>
@@ -1782,7 +1789,7 @@
           <a:p>
             <a:fld id="{E502F7B7-A4BC-4685-921A-C9F07A00FA57}" type="datetime1">
               <a:rPr lang="en-GB" smtClean="0"/>
-              <a:t>30/04/2019</a:t>
+              <a:t>28/08/2019</a:t>
             </a:fld>
             <a:endParaRPr lang="en-GB"/>
           </a:p>
@@ -2197,7 +2204,7 @@
           <a:p>
             <a:fld id="{41A3849F-4202-4194-B131-C2984D6BF00D}" type="datetime1">
               <a:rPr lang="en-GB" smtClean="0"/>
-              <a:t>30/04/2019</a:t>
+              <a:t>28/08/2019</a:t>
             </a:fld>
             <a:endParaRPr lang="en-GB"/>
           </a:p>
@@ -2339,7 +2346,7 @@
           <a:p>
             <a:fld id="{A8032689-DD29-45EE-AA1F-66C07DA99EF1}" type="datetime1">
               <a:rPr lang="en-GB" smtClean="0"/>
-              <a:t>30/04/2019</a:t>
+              <a:t>28/08/2019</a:t>
             </a:fld>
             <a:endParaRPr lang="en-GB"/>
           </a:p>
@@ -2452,7 +2459,7 @@
           <a:p>
             <a:fld id="{13A7F95C-87FB-4C36-AFF6-39D727F541D8}" type="datetime1">
               <a:rPr lang="en-GB" smtClean="0"/>
-              <a:t>30/04/2019</a:t>
+              <a:t>28/08/2019</a:t>
             </a:fld>
             <a:endParaRPr lang="en-GB"/>
           </a:p>
@@ -2765,7 +2772,7 @@
           <a:p>
             <a:fld id="{4E7D09BF-40CF-419D-BB62-B266BED0DCA9}" type="datetime1">
               <a:rPr lang="en-GB" smtClean="0"/>
-              <a:t>30/04/2019</a:t>
+              <a:t>28/08/2019</a:t>
             </a:fld>
             <a:endParaRPr lang="en-GB"/>
           </a:p>
@@ -3054,7 +3061,7 @@
           <a:p>
             <a:fld id="{72A17D57-05CC-4E52-A329-D94465D00BF6}" type="datetime1">
               <a:rPr lang="en-GB" smtClean="0"/>
-              <a:t>30/04/2019</a:t>
+              <a:t>28/08/2019</a:t>
             </a:fld>
             <a:endParaRPr lang="en-GB"/>
           </a:p>
@@ -3297,7 +3304,7 @@
           <a:p>
             <a:fld id="{57308475-6F9A-4F78-B310-974189C4DCD8}" type="datetime1">
               <a:rPr lang="en-GB" smtClean="0"/>
-              <a:t>30/04/2019</a:t>
+              <a:t>28/08/2019</a:t>
             </a:fld>
             <a:endParaRPr lang="en-GB"/>
           </a:p>
@@ -3930,7 +3937,7 @@
             </a:fld>
             <a:r>
               <a:rPr lang="en-GB" dirty="0"/>
-              <a:t>/15</a:t>
+              <a:t>/22</a:t>
             </a:r>
           </a:p>
         </p:txBody>
@@ -4316,7 +4323,7 @@
             </a:fld>
             <a:r>
               <a:rPr lang="en-GB" dirty="0"/>
-              <a:t>/15</a:t>
+              <a:t>/22</a:t>
             </a:r>
           </a:p>
         </p:txBody>
@@ -4514,7 +4521,7 @@
             </a:fld>
             <a:r>
               <a:rPr lang="en-GB" dirty="0"/>
-              <a:t>/15</a:t>
+              <a:t>/22</a:t>
             </a:r>
           </a:p>
         </p:txBody>
@@ -4723,7 +4730,7 @@
             </a:fld>
             <a:r>
               <a:rPr lang="en-GB" dirty="0"/>
-              <a:t>/15</a:t>
+              <a:t>/22</a:t>
             </a:r>
           </a:p>
         </p:txBody>
@@ -4941,7 +4948,7 @@
             </a:fld>
             <a:r>
               <a:rPr lang="en-GB" dirty="0"/>
-              <a:t>/15</a:t>
+              <a:t>/22</a:t>
             </a:r>
           </a:p>
         </p:txBody>
@@ -5123,7 +5130,7 @@
             </a:fld>
             <a:r>
               <a:rPr lang="en-GB" dirty="0"/>
-              <a:t>/15</a:t>
+              <a:t>/22</a:t>
             </a:r>
           </a:p>
         </p:txBody>
@@ -5132,6 +5139,1108 @@
     <p:extLst>
       <p:ext uri="{BB962C8B-B14F-4D97-AF65-F5344CB8AC3E}">
         <p14:creationId xmlns:p14="http://schemas.microsoft.com/office/powerpoint/2010/main" val="807542157"/>
+      </p:ext>
+    </p:extLst>
+  </p:cSld>
+  <p:clrMapOvr>
+    <a:masterClrMapping/>
+  </p:clrMapOvr>
+</p:sld>
+</file>
+
+<file path=ppt/slides/slide16.xml><?xml version="1.0" encoding="utf-8"?>
+<p:sld xmlns:a="http://schemas.openxmlformats.org/drawingml/2006/main" xmlns:r="http://schemas.openxmlformats.org/officeDocument/2006/relationships" xmlns:p="http://schemas.openxmlformats.org/presentationml/2006/main">
+  <p:cSld>
+    <p:spTree>
+      <p:nvGrpSpPr>
+        <p:cNvPr id="1" name=""/>
+        <p:cNvGrpSpPr/>
+        <p:nvPr/>
+      </p:nvGrpSpPr>
+      <p:grpSpPr>
+        <a:xfrm>
+          <a:off x="0" y="0"/>
+          <a:ext cx="0" cy="0"/>
+          <a:chOff x="0" y="0"/>
+          <a:chExt cx="0" cy="0"/>
+        </a:xfrm>
+      </p:grpSpPr>
+      <p:sp>
+        <p:nvSpPr>
+          <p:cNvPr id="2" name="Title 1">
+            <a:extLst>
+              <a:ext uri="{FF2B5EF4-FFF2-40B4-BE49-F238E27FC236}">
+                <a16:creationId xmlns:a16="http://schemas.microsoft.com/office/drawing/2014/main" id="{B61D3C8E-6813-4EFF-9D91-EF9EE00406FB}"/>
+              </a:ext>
+            </a:extLst>
+          </p:cNvPr>
+          <p:cNvSpPr>
+            <a:spLocks noGrp="1"/>
+          </p:cNvSpPr>
+          <p:nvPr>
+            <p:ph type="title"/>
+          </p:nvPr>
+        </p:nvSpPr>
+        <p:spPr/>
+        <p:txBody>
+          <a:bodyPr/>
+          <a:lstStyle/>
+          <a:p>
+            <a:r>
+              <a:rPr lang="en-US" dirty="0"/>
+              <a:t>Performance Evaluation</a:t>
+            </a:r>
+            <a:endParaRPr lang="de-CH" dirty="0"/>
+          </a:p>
+        </p:txBody>
+      </p:sp>
+      <p:sp>
+        <p:nvSpPr>
+          <p:cNvPr id="3" name="Content Placeholder 2">
+            <a:extLst>
+              <a:ext uri="{FF2B5EF4-FFF2-40B4-BE49-F238E27FC236}">
+                <a16:creationId xmlns:a16="http://schemas.microsoft.com/office/drawing/2014/main" id="{E3C32CAE-C44B-49F3-AD5D-2B4306B45998}"/>
+              </a:ext>
+            </a:extLst>
+          </p:cNvPr>
+          <p:cNvSpPr>
+            <a:spLocks noGrp="1"/>
+          </p:cNvSpPr>
+          <p:nvPr>
+            <p:ph idx="1"/>
+          </p:nvPr>
+        </p:nvSpPr>
+        <p:spPr/>
+        <p:txBody>
+          <a:bodyPr>
+            <a:normAutofit lnSpcReduction="10000"/>
+          </a:bodyPr>
+          <a:lstStyle/>
+          <a:p>
+            <a:r>
+              <a:rPr lang="en-US" dirty="0"/>
+              <a:t>Methods:</a:t>
+            </a:r>
+          </a:p>
+          <a:p>
+            <a:pPr lvl="1"/>
+            <a:r>
+              <a:rPr lang="en-US" dirty="0"/>
+              <a:t>Clustering (k-means)</a:t>
+            </a:r>
+          </a:p>
+          <a:p>
+            <a:pPr lvl="1"/>
+            <a:r>
+              <a:rPr lang="en-US" dirty="0"/>
+              <a:t>Classification (</a:t>
+            </a:r>
+            <a:r>
+              <a:rPr lang="en-US" dirty="0" err="1"/>
+              <a:t>IsolationForest</a:t>
+            </a:r>
+            <a:r>
+              <a:rPr lang="en-US" dirty="0"/>
+              <a:t>/</a:t>
+            </a:r>
+            <a:r>
+              <a:rPr lang="en-US" dirty="0" err="1"/>
+              <a:t>OneClassSVM</a:t>
+            </a:r>
+            <a:r>
+              <a:rPr lang="en-US" dirty="0"/>
+              <a:t>)</a:t>
+            </a:r>
+          </a:p>
+          <a:p>
+            <a:pPr lvl="1"/>
+            <a:r>
+              <a:rPr lang="en-US" dirty="0"/>
+              <a:t>Multivariate Gauss</a:t>
+            </a:r>
+          </a:p>
+          <a:p>
+            <a:pPr lvl="1"/>
+            <a:r>
+              <a:rPr lang="en-US" dirty="0"/>
+              <a:t>Tensor Decomposition</a:t>
+            </a:r>
+          </a:p>
+          <a:p>
+            <a:endParaRPr lang="en-US" dirty="0"/>
+          </a:p>
+          <a:p>
+            <a:r>
+              <a:rPr lang="en-US" dirty="0"/>
+              <a:t>Architectures:</a:t>
+            </a:r>
+          </a:p>
+          <a:p>
+            <a:pPr lvl="1"/>
+            <a:r>
+              <a:rPr lang="en-US" dirty="0"/>
+              <a:t>CPU</a:t>
+            </a:r>
+          </a:p>
+          <a:p>
+            <a:pPr lvl="1"/>
+            <a:r>
+              <a:rPr lang="en-US" dirty="0"/>
+              <a:t>GPU</a:t>
+            </a:r>
+          </a:p>
+          <a:p>
+            <a:pPr lvl="1"/>
+            <a:r>
+              <a:rPr lang="en-US" dirty="0"/>
+              <a:t>FPGA</a:t>
+            </a:r>
+          </a:p>
+          <a:p>
+            <a:pPr lvl="1"/>
+            <a:r>
+              <a:rPr lang="en-US" dirty="0"/>
+              <a:t>ASIC</a:t>
+            </a:r>
+          </a:p>
+          <a:p>
+            <a:pPr marL="457200" lvl="1" indent="0">
+              <a:buNone/>
+            </a:pPr>
+            <a:endParaRPr lang="en-US" dirty="0"/>
+          </a:p>
+        </p:txBody>
+      </p:sp>
+      <p:sp>
+        <p:nvSpPr>
+          <p:cNvPr id="4" name="Slide Number Placeholder 3">
+            <a:extLst>
+              <a:ext uri="{FF2B5EF4-FFF2-40B4-BE49-F238E27FC236}">
+                <a16:creationId xmlns:a16="http://schemas.microsoft.com/office/drawing/2014/main" id="{F0BEA21D-21A3-4859-850F-136CD2EFDC71}"/>
+              </a:ext>
+            </a:extLst>
+          </p:cNvPr>
+          <p:cNvSpPr>
+            <a:spLocks noGrp="1"/>
+          </p:cNvSpPr>
+          <p:nvPr>
+            <p:ph type="sldNum" sz="quarter" idx="12"/>
+          </p:nvPr>
+        </p:nvSpPr>
+        <p:spPr/>
+        <p:txBody>
+          <a:bodyPr/>
+          <a:lstStyle/>
+          <a:p>
+            <a:fld id="{98EBD0AD-64B8-4DAA-9B92-67751A92B898}" type="slidenum">
+              <a:rPr lang="en-GB" smtClean="0"/>
+              <a:t>16</a:t>
+            </a:fld>
+            <a:r>
+              <a:rPr lang="en-GB" dirty="0"/>
+              <a:t>/22</a:t>
+            </a:r>
+          </a:p>
+        </p:txBody>
+      </p:sp>
+      <p:pic>
+        <p:nvPicPr>
+          <p:cNvPr id="5" name="Picture 4">
+            <a:extLst>
+              <a:ext uri="{FF2B5EF4-FFF2-40B4-BE49-F238E27FC236}">
+                <a16:creationId xmlns:a16="http://schemas.microsoft.com/office/drawing/2014/main" id="{8000F53F-D676-4682-9204-A79D95579B7B}"/>
+              </a:ext>
+            </a:extLst>
+          </p:cNvPr>
+          <p:cNvPicPr>
+            <a:picLocks noChangeAspect="1"/>
+          </p:cNvPicPr>
+          <p:nvPr/>
+        </p:nvPicPr>
+        <p:blipFill>
+          <a:blip r:embed="rId2"/>
+          <a:stretch>
+            <a:fillRect/>
+          </a:stretch>
+        </p:blipFill>
+        <p:spPr>
+          <a:xfrm>
+            <a:off x="7394890" y="1697218"/>
+            <a:ext cx="4734439" cy="4351338"/>
+          </a:xfrm>
+          <a:prstGeom prst="rect">
+            <a:avLst/>
+          </a:prstGeom>
+        </p:spPr>
+      </p:pic>
+    </p:spTree>
+    <p:extLst>
+      <p:ext uri="{BB962C8B-B14F-4D97-AF65-F5344CB8AC3E}">
+        <p14:creationId xmlns:p14="http://schemas.microsoft.com/office/powerpoint/2010/main" val="4032354353"/>
+      </p:ext>
+    </p:extLst>
+  </p:cSld>
+  <p:clrMapOvr>
+    <a:masterClrMapping/>
+  </p:clrMapOvr>
+</p:sld>
+</file>
+
+<file path=ppt/slides/slide17.xml><?xml version="1.0" encoding="utf-8"?>
+<p:sld xmlns:a="http://schemas.openxmlformats.org/drawingml/2006/main" xmlns:r="http://schemas.openxmlformats.org/officeDocument/2006/relationships" xmlns:p="http://schemas.openxmlformats.org/presentationml/2006/main">
+  <p:cSld>
+    <p:spTree>
+      <p:nvGrpSpPr>
+        <p:cNvPr id="1" name=""/>
+        <p:cNvGrpSpPr/>
+        <p:nvPr/>
+      </p:nvGrpSpPr>
+      <p:grpSpPr>
+        <a:xfrm>
+          <a:off x="0" y="0"/>
+          <a:ext cx="0" cy="0"/>
+          <a:chOff x="0" y="0"/>
+          <a:chExt cx="0" cy="0"/>
+        </a:xfrm>
+      </p:grpSpPr>
+      <p:sp>
+        <p:nvSpPr>
+          <p:cNvPr id="2" name="Title 1">
+            <a:extLst>
+              <a:ext uri="{FF2B5EF4-FFF2-40B4-BE49-F238E27FC236}">
+                <a16:creationId xmlns:a16="http://schemas.microsoft.com/office/drawing/2014/main" id="{37CCA778-E1ED-4060-9932-A8ED3EF512D1}"/>
+              </a:ext>
+            </a:extLst>
+          </p:cNvPr>
+          <p:cNvSpPr>
+            <a:spLocks noGrp="1"/>
+          </p:cNvSpPr>
+          <p:nvPr>
+            <p:ph type="title"/>
+          </p:nvPr>
+        </p:nvSpPr>
+        <p:spPr>
+          <a:xfrm>
+            <a:off x="838200" y="365125"/>
+            <a:ext cx="10515600" cy="1325563"/>
+          </a:xfrm>
+        </p:spPr>
+        <p:txBody>
+          <a:bodyPr/>
+          <a:lstStyle/>
+          <a:p>
+            <a:r>
+              <a:rPr lang="en-US" dirty="0"/>
+              <a:t>CPU Implementations</a:t>
+            </a:r>
+            <a:endParaRPr lang="de-CH" dirty="0"/>
+          </a:p>
+        </p:txBody>
+      </p:sp>
+      <p:pic>
+        <p:nvPicPr>
+          <p:cNvPr id="5" name="Content Placeholder 4">
+            <a:extLst>
+              <a:ext uri="{FF2B5EF4-FFF2-40B4-BE49-F238E27FC236}">
+                <a16:creationId xmlns:a16="http://schemas.microsoft.com/office/drawing/2014/main" id="{9D586980-F40E-41C0-A7A7-2E79102D76EE}"/>
+              </a:ext>
+            </a:extLst>
+          </p:cNvPr>
+          <p:cNvPicPr>
+            <a:picLocks noGrp="1" noChangeAspect="1"/>
+          </p:cNvPicPr>
+          <p:nvPr>
+            <p:ph idx="1"/>
+          </p:nvPr>
+        </p:nvPicPr>
+        <p:blipFill>
+          <a:blip r:embed="rId2"/>
+          <a:stretch>
+            <a:fillRect/>
+          </a:stretch>
+        </p:blipFill>
+        <p:spPr>
+          <a:xfrm>
+            <a:off x="1195838" y="1414565"/>
+            <a:ext cx="5364353" cy="4994398"/>
+          </a:xfrm>
+          <a:prstGeom prst="rect">
+            <a:avLst/>
+          </a:prstGeom>
+        </p:spPr>
+      </p:pic>
+      <p:sp>
+        <p:nvSpPr>
+          <p:cNvPr id="4" name="Slide Number Placeholder 3">
+            <a:extLst>
+              <a:ext uri="{FF2B5EF4-FFF2-40B4-BE49-F238E27FC236}">
+                <a16:creationId xmlns:a16="http://schemas.microsoft.com/office/drawing/2014/main" id="{D1FC32CB-BD12-41FB-9580-92B0933A7C1F}"/>
+              </a:ext>
+            </a:extLst>
+          </p:cNvPr>
+          <p:cNvSpPr>
+            <a:spLocks noGrp="1"/>
+          </p:cNvSpPr>
+          <p:nvPr>
+            <p:ph type="sldNum" sz="quarter" idx="12"/>
+          </p:nvPr>
+        </p:nvSpPr>
+        <p:spPr/>
+        <p:txBody>
+          <a:bodyPr/>
+          <a:lstStyle/>
+          <a:p>
+            <a:fld id="{98EBD0AD-64B8-4DAA-9B92-67751A92B898}" type="slidenum">
+              <a:rPr lang="en-GB" smtClean="0"/>
+              <a:t>17</a:t>
+            </a:fld>
+            <a:r>
+              <a:rPr lang="en-GB" dirty="0"/>
+              <a:t>/22</a:t>
+            </a:r>
+          </a:p>
+        </p:txBody>
+      </p:sp>
+      <p:pic>
+        <p:nvPicPr>
+          <p:cNvPr id="7" name="Picture 6">
+            <a:extLst>
+              <a:ext uri="{FF2B5EF4-FFF2-40B4-BE49-F238E27FC236}">
+                <a16:creationId xmlns:a16="http://schemas.microsoft.com/office/drawing/2014/main" id="{4F8ACD15-C09A-46B3-B349-4D065E06BEAC}"/>
+              </a:ext>
+            </a:extLst>
+          </p:cNvPr>
+          <p:cNvPicPr>
+            <a:picLocks noChangeAspect="1"/>
+          </p:cNvPicPr>
+          <p:nvPr/>
+        </p:nvPicPr>
+        <p:blipFill>
+          <a:blip r:embed="rId3"/>
+          <a:stretch>
+            <a:fillRect/>
+          </a:stretch>
+        </p:blipFill>
+        <p:spPr>
+          <a:xfrm>
+            <a:off x="7448368" y="2279276"/>
+            <a:ext cx="2884619" cy="1327144"/>
+          </a:xfrm>
+          <a:prstGeom prst="rect">
+            <a:avLst/>
+          </a:prstGeom>
+        </p:spPr>
+      </p:pic>
+      <p:sp>
+        <p:nvSpPr>
+          <p:cNvPr id="8" name="Content Placeholder 2">
+            <a:extLst>
+              <a:ext uri="{FF2B5EF4-FFF2-40B4-BE49-F238E27FC236}">
+                <a16:creationId xmlns:a16="http://schemas.microsoft.com/office/drawing/2014/main" id="{14367FEF-8894-4F9E-8022-21E55E7B122D}"/>
+              </a:ext>
+            </a:extLst>
+          </p:cNvPr>
+          <p:cNvSpPr txBox="1">
+            <a:spLocks/>
+          </p:cNvSpPr>
+          <p:nvPr/>
+        </p:nvSpPr>
+        <p:spPr>
+          <a:xfrm>
+            <a:off x="6774428" y="1467833"/>
+            <a:ext cx="4824369" cy="4351338"/>
+          </a:xfrm>
+          <a:prstGeom prst="rect">
+            <a:avLst/>
+          </a:prstGeom>
+        </p:spPr>
+        <p:txBody>
+          <a:bodyPr vert="horz" lIns="91440" tIns="45720" rIns="91440" bIns="45720" rtlCol="0">
+            <a:normAutofit/>
+          </a:bodyPr>
+          <a:lstStyle>
+            <a:lvl1pPr marL="228600" indent="-228600" algn="l" defTabSz="914400" rtl="0" eaLnBrk="1" latinLnBrk="0" hangingPunct="1">
+              <a:lnSpc>
+                <a:spcPct val="90000"/>
+              </a:lnSpc>
+              <a:spcBef>
+                <a:spcPts val="1000"/>
+              </a:spcBef>
+              <a:buFont typeface="Arial" panose="020B0604020202020204" pitchFamily="34" charset="0"/>
+              <a:buChar char="•"/>
+              <a:defRPr sz="2800" kern="1200">
+                <a:solidFill>
+                  <a:schemeClr val="tx1"/>
+                </a:solidFill>
+                <a:latin typeface="+mn-lt"/>
+                <a:ea typeface="+mn-ea"/>
+                <a:cs typeface="+mn-cs"/>
+              </a:defRPr>
+            </a:lvl1pPr>
+            <a:lvl2pPr marL="685800" indent="-228600" algn="l" defTabSz="914400" rtl="0" eaLnBrk="1" latinLnBrk="0" hangingPunct="1">
+              <a:lnSpc>
+                <a:spcPct val="90000"/>
+              </a:lnSpc>
+              <a:spcBef>
+                <a:spcPts val="500"/>
+              </a:spcBef>
+              <a:buFont typeface="Arial" panose="020B0604020202020204" pitchFamily="34" charset="0"/>
+              <a:buChar char="•"/>
+              <a:defRPr sz="2400" kern="1200">
+                <a:solidFill>
+                  <a:schemeClr val="tx1"/>
+                </a:solidFill>
+                <a:latin typeface="+mn-lt"/>
+                <a:ea typeface="+mn-ea"/>
+                <a:cs typeface="+mn-cs"/>
+              </a:defRPr>
+            </a:lvl2pPr>
+            <a:lvl3pPr marL="1143000" indent="-228600" algn="l" defTabSz="914400" rtl="0" eaLnBrk="1" latinLnBrk="0" hangingPunct="1">
+              <a:lnSpc>
+                <a:spcPct val="90000"/>
+              </a:lnSpc>
+              <a:spcBef>
+                <a:spcPts val="500"/>
+              </a:spcBef>
+              <a:buFont typeface="Arial" panose="020B0604020202020204" pitchFamily="34" charset="0"/>
+              <a:buChar char="•"/>
+              <a:defRPr sz="2000" kern="1200">
+                <a:solidFill>
+                  <a:schemeClr val="tx1"/>
+                </a:solidFill>
+                <a:latin typeface="+mn-lt"/>
+                <a:ea typeface="+mn-ea"/>
+                <a:cs typeface="+mn-cs"/>
+              </a:defRPr>
+            </a:lvl3pPr>
+            <a:lvl4pPr marL="1600200" indent="-228600" algn="l" defTabSz="914400" rtl="0" eaLnBrk="1" latinLnBrk="0" hangingPunct="1">
+              <a:lnSpc>
+                <a:spcPct val="90000"/>
+              </a:lnSpc>
+              <a:spcBef>
+                <a:spcPts val="500"/>
+              </a:spcBef>
+              <a:buFont typeface="Arial" panose="020B0604020202020204" pitchFamily="34" charset="0"/>
+              <a:buChar char="•"/>
+              <a:defRPr sz="1800" kern="1200">
+                <a:solidFill>
+                  <a:schemeClr val="tx1"/>
+                </a:solidFill>
+                <a:latin typeface="+mn-lt"/>
+                <a:ea typeface="+mn-ea"/>
+                <a:cs typeface="+mn-cs"/>
+              </a:defRPr>
+            </a:lvl4pPr>
+            <a:lvl5pPr marL="2057400" indent="-228600" algn="l" defTabSz="914400" rtl="0" eaLnBrk="1" latinLnBrk="0" hangingPunct="1">
+              <a:lnSpc>
+                <a:spcPct val="90000"/>
+              </a:lnSpc>
+              <a:spcBef>
+                <a:spcPts val="500"/>
+              </a:spcBef>
+              <a:buFont typeface="Arial" panose="020B0604020202020204" pitchFamily="34" charset="0"/>
+              <a:buChar char="•"/>
+              <a:defRPr sz="1800" kern="1200">
+                <a:solidFill>
+                  <a:schemeClr val="tx1"/>
+                </a:solidFill>
+                <a:latin typeface="+mn-lt"/>
+                <a:ea typeface="+mn-ea"/>
+                <a:cs typeface="+mn-cs"/>
+              </a:defRPr>
+            </a:lvl5pPr>
+            <a:lvl6pPr marL="2514600" indent="-228600" algn="l" defTabSz="914400" rtl="0" eaLnBrk="1" latinLnBrk="0" hangingPunct="1">
+              <a:lnSpc>
+                <a:spcPct val="90000"/>
+              </a:lnSpc>
+              <a:spcBef>
+                <a:spcPts val="500"/>
+              </a:spcBef>
+              <a:buFont typeface="Arial" panose="020B0604020202020204" pitchFamily="34" charset="0"/>
+              <a:buChar char="•"/>
+              <a:defRPr sz="1800" kern="1200">
+                <a:solidFill>
+                  <a:schemeClr val="tx1"/>
+                </a:solidFill>
+                <a:latin typeface="+mn-lt"/>
+                <a:ea typeface="+mn-ea"/>
+                <a:cs typeface="+mn-cs"/>
+              </a:defRPr>
+            </a:lvl6pPr>
+            <a:lvl7pPr marL="2971800" indent="-228600" algn="l" defTabSz="914400" rtl="0" eaLnBrk="1" latinLnBrk="0" hangingPunct="1">
+              <a:lnSpc>
+                <a:spcPct val="90000"/>
+              </a:lnSpc>
+              <a:spcBef>
+                <a:spcPts val="500"/>
+              </a:spcBef>
+              <a:buFont typeface="Arial" panose="020B0604020202020204" pitchFamily="34" charset="0"/>
+              <a:buChar char="•"/>
+              <a:defRPr sz="1800" kern="1200">
+                <a:solidFill>
+                  <a:schemeClr val="tx1"/>
+                </a:solidFill>
+                <a:latin typeface="+mn-lt"/>
+                <a:ea typeface="+mn-ea"/>
+                <a:cs typeface="+mn-cs"/>
+              </a:defRPr>
+            </a:lvl7pPr>
+            <a:lvl8pPr marL="3429000" indent="-228600" algn="l" defTabSz="914400" rtl="0" eaLnBrk="1" latinLnBrk="0" hangingPunct="1">
+              <a:lnSpc>
+                <a:spcPct val="90000"/>
+              </a:lnSpc>
+              <a:spcBef>
+                <a:spcPts val="500"/>
+              </a:spcBef>
+              <a:buFont typeface="Arial" panose="020B0604020202020204" pitchFamily="34" charset="0"/>
+              <a:buChar char="•"/>
+              <a:defRPr sz="1800" kern="1200">
+                <a:solidFill>
+                  <a:schemeClr val="tx1"/>
+                </a:solidFill>
+                <a:latin typeface="+mn-lt"/>
+                <a:ea typeface="+mn-ea"/>
+                <a:cs typeface="+mn-cs"/>
+              </a:defRPr>
+            </a:lvl8pPr>
+            <a:lvl9pPr marL="3886200" indent="-228600" algn="l" defTabSz="914400" rtl="0" eaLnBrk="1" latinLnBrk="0" hangingPunct="1">
+              <a:lnSpc>
+                <a:spcPct val="90000"/>
+              </a:lnSpc>
+              <a:spcBef>
+                <a:spcPts val="500"/>
+              </a:spcBef>
+              <a:buFont typeface="Arial" panose="020B0604020202020204" pitchFamily="34" charset="0"/>
+              <a:buChar char="•"/>
+              <a:defRPr sz="1800" kern="1200">
+                <a:solidFill>
+                  <a:schemeClr val="tx1"/>
+                </a:solidFill>
+                <a:latin typeface="+mn-lt"/>
+                <a:ea typeface="+mn-ea"/>
+                <a:cs typeface="+mn-cs"/>
+              </a:defRPr>
+            </a:lvl9pPr>
+          </a:lstStyle>
+          <a:p>
+            <a:pPr marL="0" indent="0">
+              <a:buNone/>
+            </a:pPr>
+            <a:r>
+              <a:rPr lang="en-US" dirty="0"/>
+              <a:t>Results:</a:t>
+            </a:r>
+          </a:p>
+          <a:p>
+            <a:pPr marL="0" indent="0">
+              <a:buNone/>
+            </a:pPr>
+            <a:endParaRPr lang="en-US" dirty="0"/>
+          </a:p>
+          <a:p>
+            <a:pPr marL="0" indent="0">
+              <a:buNone/>
+            </a:pPr>
+            <a:endParaRPr lang="en-US" dirty="0"/>
+          </a:p>
+          <a:p>
+            <a:pPr marL="0" indent="0">
+              <a:buNone/>
+            </a:pPr>
+            <a:endParaRPr lang="en-US" dirty="0"/>
+          </a:p>
+          <a:p>
+            <a:pPr marL="0" indent="0">
+              <a:buNone/>
+            </a:pPr>
+            <a:endParaRPr lang="en-US" dirty="0"/>
+          </a:p>
+          <a:p>
+            <a:pPr marL="0" indent="0">
+              <a:buNone/>
+            </a:pPr>
+            <a:r>
+              <a:rPr lang="en-US" dirty="0"/>
+              <a:t>Source:</a:t>
+            </a:r>
+          </a:p>
+          <a:p>
+            <a:pPr marL="0" indent="0">
+              <a:buNone/>
+            </a:pPr>
+            <a:r>
+              <a:rPr lang="de-CH" dirty="0">
+                <a:hlinkClick r:id="rId4"/>
+              </a:rPr>
+              <a:t>https://github.com/kotlarmilos/anomalydetection</a:t>
+            </a:r>
+            <a:endParaRPr lang="en-US" dirty="0"/>
+          </a:p>
+          <a:p>
+            <a:pPr marL="0" indent="0">
+              <a:buNone/>
+            </a:pPr>
+            <a:endParaRPr lang="en-US" dirty="0"/>
+          </a:p>
+        </p:txBody>
+      </p:sp>
+    </p:spTree>
+    <p:extLst>
+      <p:ext uri="{BB962C8B-B14F-4D97-AF65-F5344CB8AC3E}">
+        <p14:creationId xmlns:p14="http://schemas.microsoft.com/office/powerpoint/2010/main" val="3952743559"/>
+      </p:ext>
+    </p:extLst>
+  </p:cSld>
+  <p:clrMapOvr>
+    <a:masterClrMapping/>
+  </p:clrMapOvr>
+</p:sld>
+</file>
+
+<file path=ppt/slides/slide18.xml><?xml version="1.0" encoding="utf-8"?>
+<p:sld xmlns:a="http://schemas.openxmlformats.org/drawingml/2006/main" xmlns:r="http://schemas.openxmlformats.org/officeDocument/2006/relationships" xmlns:p="http://schemas.openxmlformats.org/presentationml/2006/main">
+  <p:cSld>
+    <p:spTree>
+      <p:nvGrpSpPr>
+        <p:cNvPr id="1" name=""/>
+        <p:cNvGrpSpPr/>
+        <p:nvPr/>
+      </p:nvGrpSpPr>
+      <p:grpSpPr>
+        <a:xfrm>
+          <a:off x="0" y="0"/>
+          <a:ext cx="0" cy="0"/>
+          <a:chOff x="0" y="0"/>
+          <a:chExt cx="0" cy="0"/>
+        </a:xfrm>
+      </p:grpSpPr>
+      <p:sp>
+        <p:nvSpPr>
+          <p:cNvPr id="2" name="Title 1">
+            <a:extLst>
+              <a:ext uri="{FF2B5EF4-FFF2-40B4-BE49-F238E27FC236}">
+                <a16:creationId xmlns:a16="http://schemas.microsoft.com/office/drawing/2014/main" id="{DFD13302-B44D-40EC-984B-B62489FEA993}"/>
+              </a:ext>
+            </a:extLst>
+          </p:cNvPr>
+          <p:cNvSpPr>
+            <a:spLocks noGrp="1"/>
+          </p:cNvSpPr>
+          <p:nvPr>
+            <p:ph type="title"/>
+          </p:nvPr>
+        </p:nvSpPr>
+        <p:spPr/>
+        <p:txBody>
+          <a:bodyPr/>
+          <a:lstStyle/>
+          <a:p>
+            <a:r>
+              <a:rPr lang="en-US" dirty="0"/>
+              <a:t>GPU Implementations</a:t>
+            </a:r>
+            <a:endParaRPr lang="de-CH" dirty="0"/>
+          </a:p>
+        </p:txBody>
+      </p:sp>
+      <p:sp>
+        <p:nvSpPr>
+          <p:cNvPr id="3" name="Content Placeholder 2">
+            <a:extLst>
+              <a:ext uri="{FF2B5EF4-FFF2-40B4-BE49-F238E27FC236}">
+                <a16:creationId xmlns:a16="http://schemas.microsoft.com/office/drawing/2014/main" id="{4AC90299-C9F0-4E2E-AC5F-923B1E0D8909}"/>
+              </a:ext>
+            </a:extLst>
+          </p:cNvPr>
+          <p:cNvSpPr>
+            <a:spLocks noGrp="1"/>
+          </p:cNvSpPr>
+          <p:nvPr>
+            <p:ph idx="1"/>
+          </p:nvPr>
+        </p:nvSpPr>
+        <p:spPr>
+          <a:xfrm>
+            <a:off x="838199" y="1639196"/>
+            <a:ext cx="10880325" cy="4351338"/>
+          </a:xfrm>
+        </p:spPr>
+        <p:txBody>
+          <a:bodyPr>
+            <a:normAutofit/>
+          </a:bodyPr>
+          <a:lstStyle/>
+          <a:p>
+            <a:r>
+              <a:rPr lang="en-US" sz="2300" dirty="0"/>
+              <a:t>Clustering: </a:t>
+            </a:r>
+            <a:r>
+              <a:rPr lang="de-CH" sz="2300" dirty="0">
+                <a:hlinkClick r:id="rId2"/>
+              </a:rPr>
+              <a:t>https://github.com/NVIDIA/kmeans</a:t>
+            </a:r>
+            <a:endParaRPr lang="de-CH" sz="2300" dirty="0"/>
+          </a:p>
+          <a:p>
+            <a:r>
+              <a:rPr lang="en-US" sz="2300" dirty="0"/>
+              <a:t>C</a:t>
+            </a:r>
+            <a:r>
+              <a:rPr lang="de-CH" sz="2300" dirty="0" err="1"/>
+              <a:t>lassification</a:t>
+            </a:r>
+            <a:r>
+              <a:rPr lang="de-CH" sz="2300" dirty="0"/>
+              <a:t>: </a:t>
+            </a:r>
+            <a:r>
+              <a:rPr lang="de-CH" sz="2300" dirty="0">
+                <a:hlinkClick r:id="rId3"/>
+              </a:rPr>
+              <a:t>https://github.com/Xtra-Computing/thundersvm</a:t>
+            </a:r>
+            <a:endParaRPr lang="de-CH" sz="2300" dirty="0"/>
+          </a:p>
+          <a:p>
+            <a:r>
+              <a:rPr lang="en-US" sz="2300" dirty="0"/>
+              <a:t>Tensor Decomposition: </a:t>
+            </a:r>
+            <a:r>
+              <a:rPr lang="de-CH" sz="2300" dirty="0">
+                <a:hlinkClick r:id="rId4"/>
+              </a:rPr>
+              <a:t>https://github.com/Large-Scale-Tensor-Decomposition/tensorD</a:t>
+            </a:r>
+            <a:endParaRPr lang="de-CH" sz="2300" dirty="0"/>
+          </a:p>
+          <a:p>
+            <a:endParaRPr lang="en-US" sz="2300" dirty="0"/>
+          </a:p>
+          <a:p>
+            <a:endParaRPr lang="de-CH" sz="2300" dirty="0"/>
+          </a:p>
+          <a:p>
+            <a:endParaRPr lang="en-US" sz="2300" dirty="0"/>
+          </a:p>
+          <a:p>
+            <a:endParaRPr lang="de-CH" sz="2300" dirty="0"/>
+          </a:p>
+        </p:txBody>
+      </p:sp>
+      <p:sp>
+        <p:nvSpPr>
+          <p:cNvPr id="4" name="Slide Number Placeholder 3">
+            <a:extLst>
+              <a:ext uri="{FF2B5EF4-FFF2-40B4-BE49-F238E27FC236}">
+                <a16:creationId xmlns:a16="http://schemas.microsoft.com/office/drawing/2014/main" id="{B74B3BAF-4C74-41AB-B633-0B858BB4570C}"/>
+              </a:ext>
+            </a:extLst>
+          </p:cNvPr>
+          <p:cNvSpPr>
+            <a:spLocks noGrp="1"/>
+          </p:cNvSpPr>
+          <p:nvPr>
+            <p:ph type="sldNum" sz="quarter" idx="12"/>
+          </p:nvPr>
+        </p:nvSpPr>
+        <p:spPr/>
+        <p:txBody>
+          <a:bodyPr/>
+          <a:lstStyle/>
+          <a:p>
+            <a:fld id="{98EBD0AD-64B8-4DAA-9B92-67751A92B898}" type="slidenum">
+              <a:rPr lang="en-GB" smtClean="0"/>
+              <a:t>18</a:t>
+            </a:fld>
+            <a:r>
+              <a:rPr lang="en-GB" dirty="0"/>
+              <a:t>/22</a:t>
+            </a:r>
+          </a:p>
+        </p:txBody>
+      </p:sp>
+      <p:pic>
+        <p:nvPicPr>
+          <p:cNvPr id="5" name="Picture 4">
+            <a:extLst>
+              <a:ext uri="{FF2B5EF4-FFF2-40B4-BE49-F238E27FC236}">
+                <a16:creationId xmlns:a16="http://schemas.microsoft.com/office/drawing/2014/main" id="{2045A708-CF6A-49FA-B597-D9ABD18460C3}"/>
+              </a:ext>
+            </a:extLst>
+          </p:cNvPr>
+          <p:cNvPicPr>
+            <a:picLocks noChangeAspect="1"/>
+          </p:cNvPicPr>
+          <p:nvPr/>
+        </p:nvPicPr>
+        <p:blipFill>
+          <a:blip r:embed="rId5"/>
+          <a:stretch>
+            <a:fillRect/>
+          </a:stretch>
+        </p:blipFill>
+        <p:spPr>
+          <a:xfrm>
+            <a:off x="1669002" y="3257646"/>
+            <a:ext cx="4172504" cy="3463829"/>
+          </a:xfrm>
+          <a:prstGeom prst="rect">
+            <a:avLst/>
+          </a:prstGeom>
+        </p:spPr>
+      </p:pic>
+      <p:pic>
+        <p:nvPicPr>
+          <p:cNvPr id="6" name="Picture 5">
+            <a:extLst>
+              <a:ext uri="{FF2B5EF4-FFF2-40B4-BE49-F238E27FC236}">
+                <a16:creationId xmlns:a16="http://schemas.microsoft.com/office/drawing/2014/main" id="{F7589052-AE44-4154-BAB6-3FCDE1C61247}"/>
+              </a:ext>
+            </a:extLst>
+          </p:cNvPr>
+          <p:cNvPicPr>
+            <a:picLocks noChangeAspect="1"/>
+          </p:cNvPicPr>
+          <p:nvPr/>
+        </p:nvPicPr>
+        <p:blipFill>
+          <a:blip r:embed="rId6"/>
+          <a:stretch>
+            <a:fillRect/>
+          </a:stretch>
+        </p:blipFill>
+        <p:spPr>
+          <a:xfrm>
+            <a:off x="6607948" y="3890223"/>
+            <a:ext cx="3552825" cy="1971675"/>
+          </a:xfrm>
+          <a:prstGeom prst="rect">
+            <a:avLst/>
+          </a:prstGeom>
+        </p:spPr>
+      </p:pic>
+    </p:spTree>
+    <p:extLst>
+      <p:ext uri="{BB962C8B-B14F-4D97-AF65-F5344CB8AC3E}">
+        <p14:creationId xmlns:p14="http://schemas.microsoft.com/office/powerpoint/2010/main" val="1734031830"/>
+      </p:ext>
+    </p:extLst>
+  </p:cSld>
+  <p:clrMapOvr>
+    <a:masterClrMapping/>
+  </p:clrMapOvr>
+</p:sld>
+</file>
+
+<file path=ppt/slides/slide19.xml><?xml version="1.0" encoding="utf-8"?>
+<p:sld xmlns:a="http://schemas.openxmlformats.org/drawingml/2006/main" xmlns:r="http://schemas.openxmlformats.org/officeDocument/2006/relationships" xmlns:p="http://schemas.openxmlformats.org/presentationml/2006/main">
+  <p:cSld>
+    <p:spTree>
+      <p:nvGrpSpPr>
+        <p:cNvPr id="1" name=""/>
+        <p:cNvGrpSpPr/>
+        <p:nvPr/>
+      </p:nvGrpSpPr>
+      <p:grpSpPr>
+        <a:xfrm>
+          <a:off x="0" y="0"/>
+          <a:ext cx="0" cy="0"/>
+          <a:chOff x="0" y="0"/>
+          <a:chExt cx="0" cy="0"/>
+        </a:xfrm>
+      </p:grpSpPr>
+      <p:sp>
+        <p:nvSpPr>
+          <p:cNvPr id="2" name="Title 1">
+            <a:extLst>
+              <a:ext uri="{FF2B5EF4-FFF2-40B4-BE49-F238E27FC236}">
+                <a16:creationId xmlns:a16="http://schemas.microsoft.com/office/drawing/2014/main" id="{342FCDB0-0ED1-432F-94EB-2317868A8B80}"/>
+              </a:ext>
+            </a:extLst>
+          </p:cNvPr>
+          <p:cNvSpPr>
+            <a:spLocks noGrp="1"/>
+          </p:cNvSpPr>
+          <p:nvPr>
+            <p:ph type="title"/>
+          </p:nvPr>
+        </p:nvSpPr>
+        <p:spPr/>
+        <p:txBody>
+          <a:bodyPr/>
+          <a:lstStyle/>
+          <a:p>
+            <a:r>
+              <a:rPr lang="en-US" dirty="0"/>
+              <a:t>FPGA Implementations</a:t>
+            </a:r>
+            <a:endParaRPr lang="de-CH" dirty="0"/>
+          </a:p>
+        </p:txBody>
+      </p:sp>
+      <p:sp>
+        <p:nvSpPr>
+          <p:cNvPr id="4" name="Slide Number Placeholder 3">
+            <a:extLst>
+              <a:ext uri="{FF2B5EF4-FFF2-40B4-BE49-F238E27FC236}">
+                <a16:creationId xmlns:a16="http://schemas.microsoft.com/office/drawing/2014/main" id="{4A476247-B89C-42EF-B762-950EA4F20CDA}"/>
+              </a:ext>
+            </a:extLst>
+          </p:cNvPr>
+          <p:cNvSpPr>
+            <a:spLocks noGrp="1"/>
+          </p:cNvSpPr>
+          <p:nvPr>
+            <p:ph type="sldNum" sz="quarter" idx="12"/>
+          </p:nvPr>
+        </p:nvSpPr>
+        <p:spPr/>
+        <p:txBody>
+          <a:bodyPr/>
+          <a:lstStyle/>
+          <a:p>
+            <a:fld id="{98EBD0AD-64B8-4DAA-9B92-67751A92B898}" type="slidenum">
+              <a:rPr lang="en-GB" smtClean="0"/>
+              <a:t>19</a:t>
+            </a:fld>
+            <a:r>
+              <a:rPr lang="en-GB" dirty="0"/>
+              <a:t>/22</a:t>
+            </a:r>
+          </a:p>
+        </p:txBody>
+      </p:sp>
+      <p:pic>
+        <p:nvPicPr>
+          <p:cNvPr id="6" name="Picture 5">
+            <a:extLst>
+              <a:ext uri="{FF2B5EF4-FFF2-40B4-BE49-F238E27FC236}">
+                <a16:creationId xmlns:a16="http://schemas.microsoft.com/office/drawing/2014/main" id="{69CD024E-91D0-46D2-A568-6651E0145D52}"/>
+              </a:ext>
+            </a:extLst>
+          </p:cNvPr>
+          <p:cNvPicPr>
+            <a:picLocks noChangeAspect="1"/>
+          </p:cNvPicPr>
+          <p:nvPr/>
+        </p:nvPicPr>
+        <p:blipFill>
+          <a:blip r:embed="rId2"/>
+          <a:stretch>
+            <a:fillRect/>
+          </a:stretch>
+        </p:blipFill>
+        <p:spPr>
+          <a:xfrm>
+            <a:off x="415533" y="1532030"/>
+            <a:ext cx="7321704" cy="5096570"/>
+          </a:xfrm>
+          <a:prstGeom prst="rect">
+            <a:avLst/>
+          </a:prstGeom>
+        </p:spPr>
+      </p:pic>
+      <p:pic>
+        <p:nvPicPr>
+          <p:cNvPr id="11" name="Picture 10">
+            <a:extLst>
+              <a:ext uri="{FF2B5EF4-FFF2-40B4-BE49-F238E27FC236}">
+                <a16:creationId xmlns:a16="http://schemas.microsoft.com/office/drawing/2014/main" id="{D1A2A0CB-3C1A-4CCB-8D98-B2207052E8CD}"/>
+              </a:ext>
+            </a:extLst>
+          </p:cNvPr>
+          <p:cNvPicPr>
+            <a:picLocks noChangeAspect="1"/>
+          </p:cNvPicPr>
+          <p:nvPr/>
+        </p:nvPicPr>
+        <p:blipFill>
+          <a:blip r:embed="rId3"/>
+          <a:stretch>
+            <a:fillRect/>
+          </a:stretch>
+        </p:blipFill>
+        <p:spPr>
+          <a:xfrm>
+            <a:off x="7182145" y="1532030"/>
+            <a:ext cx="4171655" cy="2319847"/>
+          </a:xfrm>
+          <a:prstGeom prst="rect">
+            <a:avLst/>
+          </a:prstGeom>
+        </p:spPr>
+      </p:pic>
+      <p:sp>
+        <p:nvSpPr>
+          <p:cNvPr id="13" name="Rectangle 12">
+            <a:extLst>
+              <a:ext uri="{FF2B5EF4-FFF2-40B4-BE49-F238E27FC236}">
+                <a16:creationId xmlns:a16="http://schemas.microsoft.com/office/drawing/2014/main" id="{2FEFC0C4-C916-4101-B020-2DD3090F61AE}"/>
+              </a:ext>
+            </a:extLst>
+          </p:cNvPr>
+          <p:cNvSpPr/>
+          <p:nvPr/>
+        </p:nvSpPr>
+        <p:spPr>
+          <a:xfrm>
+            <a:off x="7042949" y="4381831"/>
+            <a:ext cx="4835371" cy="2246769"/>
+          </a:xfrm>
+          <a:prstGeom prst="rect">
+            <a:avLst/>
+          </a:prstGeom>
+        </p:spPr>
+        <p:txBody>
+          <a:bodyPr wrap="square">
+            <a:spAutoFit/>
+          </a:bodyPr>
+          <a:lstStyle/>
+          <a:p>
+            <a:r>
+              <a:rPr lang="en-US" sz="2800" dirty="0"/>
+              <a:t>Sources:</a:t>
+            </a:r>
+          </a:p>
+          <a:p>
+            <a:r>
+              <a:rPr lang="de-CH" sz="2800" dirty="0">
+                <a:hlinkClick r:id="rId4"/>
+              </a:rPr>
+              <a:t>https://github.com/kotlarmilos/anomalydetection</a:t>
+            </a:r>
+            <a:endParaRPr lang="de-CH" sz="2800" dirty="0"/>
+          </a:p>
+          <a:p>
+            <a:r>
+              <a:rPr lang="de-CH" sz="2800" dirty="0">
+                <a:hlinkClick r:id="rId5"/>
+              </a:rPr>
+              <a:t>https://github.com/maxeler/</a:t>
+            </a:r>
+            <a:br>
+              <a:rPr lang="de-CH" sz="2800" dirty="0">
+                <a:hlinkClick r:id="rId5"/>
+              </a:rPr>
+            </a:br>
+            <a:r>
+              <a:rPr lang="de-CH" sz="2800" dirty="0">
+                <a:hlinkClick r:id="rId5"/>
+              </a:rPr>
+              <a:t>Classification</a:t>
+            </a:r>
+            <a:endParaRPr lang="en-US" sz="2800" dirty="0"/>
+          </a:p>
+        </p:txBody>
+      </p:sp>
+    </p:spTree>
+    <p:extLst>
+      <p:ext uri="{BB962C8B-B14F-4D97-AF65-F5344CB8AC3E}">
+        <p14:creationId xmlns:p14="http://schemas.microsoft.com/office/powerpoint/2010/main" val="1546565451"/>
       </p:ext>
     </p:extLst>
   </p:cSld>
@@ -5360,7 +6469,7 @@
             </a:fld>
             <a:r>
               <a:rPr lang="en-GB" dirty="0"/>
-              <a:t>/15</a:t>
+              <a:t>/22</a:t>
             </a:r>
           </a:p>
         </p:txBody>
@@ -5369,6 +6478,675 @@
     <p:extLst>
       <p:ext uri="{BB962C8B-B14F-4D97-AF65-F5344CB8AC3E}">
         <p14:creationId xmlns:p14="http://schemas.microsoft.com/office/powerpoint/2010/main" val="2579134738"/>
+      </p:ext>
+    </p:extLst>
+  </p:cSld>
+  <p:clrMapOvr>
+    <a:masterClrMapping/>
+  </p:clrMapOvr>
+</p:sld>
+</file>
+
+<file path=ppt/slides/slide20.xml><?xml version="1.0" encoding="utf-8"?>
+<p:sld xmlns:a="http://schemas.openxmlformats.org/drawingml/2006/main" xmlns:r="http://schemas.openxmlformats.org/officeDocument/2006/relationships" xmlns:p="http://schemas.openxmlformats.org/presentationml/2006/main">
+  <p:cSld>
+    <p:spTree>
+      <p:nvGrpSpPr>
+        <p:cNvPr id="1" name=""/>
+        <p:cNvGrpSpPr/>
+        <p:nvPr/>
+      </p:nvGrpSpPr>
+      <p:grpSpPr>
+        <a:xfrm>
+          <a:off x="0" y="0"/>
+          <a:ext cx="0" cy="0"/>
+          <a:chOff x="0" y="0"/>
+          <a:chExt cx="0" cy="0"/>
+        </a:xfrm>
+      </p:grpSpPr>
+      <p:sp>
+        <p:nvSpPr>
+          <p:cNvPr id="2" name="Title 1">
+            <a:extLst>
+              <a:ext uri="{FF2B5EF4-FFF2-40B4-BE49-F238E27FC236}">
+                <a16:creationId xmlns:a16="http://schemas.microsoft.com/office/drawing/2014/main" id="{967090FF-9511-45E7-8204-B709EA7E64C0}"/>
+              </a:ext>
+            </a:extLst>
+          </p:cNvPr>
+          <p:cNvSpPr>
+            <a:spLocks noGrp="1"/>
+          </p:cNvSpPr>
+          <p:nvPr>
+            <p:ph type="title"/>
+          </p:nvPr>
+        </p:nvSpPr>
+        <p:spPr/>
+        <p:txBody>
+          <a:bodyPr/>
+          <a:lstStyle/>
+          <a:p>
+            <a:r>
+              <a:rPr lang="en-US" dirty="0"/>
+              <a:t>ASIC Implementations</a:t>
+            </a:r>
+            <a:endParaRPr lang="de-CH" dirty="0"/>
+          </a:p>
+        </p:txBody>
+      </p:sp>
+      <p:sp>
+        <p:nvSpPr>
+          <p:cNvPr id="3" name="Content Placeholder 2">
+            <a:extLst>
+              <a:ext uri="{FF2B5EF4-FFF2-40B4-BE49-F238E27FC236}">
+                <a16:creationId xmlns:a16="http://schemas.microsoft.com/office/drawing/2014/main" id="{F927CB6E-4648-46BB-A464-B4B6FF589765}"/>
+              </a:ext>
+            </a:extLst>
+          </p:cNvPr>
+          <p:cNvSpPr>
+            <a:spLocks noGrp="1"/>
+          </p:cNvSpPr>
+          <p:nvPr>
+            <p:ph idx="1"/>
+          </p:nvPr>
+        </p:nvSpPr>
+        <p:spPr/>
+        <p:txBody>
+          <a:bodyPr>
+            <a:normAutofit fontScale="92500" lnSpcReduction="20000"/>
+          </a:bodyPr>
+          <a:lstStyle/>
+          <a:p>
+            <a:r>
+              <a:rPr lang="en-US" dirty="0"/>
+              <a:t>In open literature there are papers related to ASIC accelerators </a:t>
+            </a:r>
+            <a:br>
+              <a:rPr lang="en-US" dirty="0"/>
+            </a:br>
+            <a:r>
+              <a:rPr lang="en-US" dirty="0"/>
+              <a:t>with optimized memory use and the use of lower precision arithmetic:</a:t>
+            </a:r>
+          </a:p>
+          <a:p>
+            <a:endParaRPr lang="en-US" dirty="0"/>
+          </a:p>
+          <a:p>
+            <a:r>
+              <a:rPr lang="de-CH" dirty="0"/>
+              <a:t>"Google </a:t>
+            </a:r>
+            <a:r>
+              <a:rPr lang="de-CH" dirty="0" err="1"/>
+              <a:t>boosts</a:t>
+            </a:r>
+            <a:r>
+              <a:rPr lang="de-CH" dirty="0"/>
+              <a:t> </a:t>
+            </a:r>
+            <a:r>
+              <a:rPr lang="de-CH" dirty="0" err="1"/>
+              <a:t>machine</a:t>
+            </a:r>
+            <a:r>
+              <a:rPr lang="de-CH" dirty="0"/>
+              <a:t> </a:t>
+            </a:r>
+            <a:r>
+              <a:rPr lang="de-CH" dirty="0" err="1"/>
+              <a:t>learning</a:t>
+            </a:r>
+            <a:r>
+              <a:rPr lang="de-CH" dirty="0"/>
+              <a:t> </a:t>
+            </a:r>
+            <a:r>
+              <a:rPr lang="de-CH" dirty="0" err="1"/>
+              <a:t>with</a:t>
+            </a:r>
+            <a:r>
+              <a:rPr lang="de-CH" dirty="0"/>
+              <a:t> </a:t>
+            </a:r>
+            <a:r>
+              <a:rPr lang="de-CH" dirty="0" err="1"/>
+              <a:t>its</a:t>
+            </a:r>
+            <a:r>
+              <a:rPr lang="de-CH" dirty="0"/>
+              <a:t> Tensor Processing Unit, " www.serverwatch.com, 2016.</a:t>
+            </a:r>
+          </a:p>
+          <a:p>
+            <a:r>
+              <a:rPr lang="de-CH" dirty="0"/>
+              <a:t> "Chip </a:t>
+            </a:r>
+            <a:r>
+              <a:rPr lang="de-CH" dirty="0" err="1"/>
+              <a:t>could</a:t>
+            </a:r>
+            <a:r>
+              <a:rPr lang="de-CH" dirty="0"/>
+              <a:t> bring </a:t>
+            </a:r>
+            <a:r>
+              <a:rPr lang="de-CH" dirty="0" err="1"/>
+              <a:t>deep</a:t>
+            </a:r>
+            <a:r>
+              <a:rPr lang="de-CH" dirty="0"/>
+              <a:t> </a:t>
+            </a:r>
+            <a:r>
+              <a:rPr lang="de-CH" dirty="0" err="1"/>
+              <a:t>learning</a:t>
+            </a:r>
+            <a:r>
+              <a:rPr lang="de-CH" dirty="0"/>
+              <a:t> </a:t>
+            </a:r>
+            <a:r>
+              <a:rPr lang="de-CH" dirty="0" err="1"/>
+              <a:t>to</a:t>
+            </a:r>
+            <a:r>
+              <a:rPr lang="de-CH" dirty="0"/>
+              <a:t> mobile </a:t>
+            </a:r>
+            <a:r>
+              <a:rPr lang="de-CH" dirty="0" err="1"/>
+              <a:t>devices</a:t>
+            </a:r>
+            <a:r>
+              <a:rPr lang="de-CH" dirty="0"/>
+              <a:t>, " www.sciencedaily.com, 2016.</a:t>
+            </a:r>
+          </a:p>
+          <a:p>
+            <a:r>
+              <a:rPr lang="de-CH" dirty="0"/>
+              <a:t> "Deep Learning </a:t>
+            </a:r>
+            <a:r>
+              <a:rPr lang="de-CH" dirty="0" err="1"/>
+              <a:t>with</a:t>
+            </a:r>
+            <a:r>
+              <a:rPr lang="de-CH" dirty="0"/>
+              <a:t> Limited </a:t>
+            </a:r>
+            <a:r>
+              <a:rPr lang="de-CH" dirty="0" err="1"/>
+              <a:t>Numerical</a:t>
+            </a:r>
+            <a:r>
+              <a:rPr lang="de-CH" dirty="0"/>
+              <a:t> Precision, "</a:t>
+            </a:r>
+            <a:r>
+              <a:rPr lang="en-US" dirty="0"/>
+              <a:t> International Conference on Machine Learning, 2015.</a:t>
+            </a:r>
+            <a:endParaRPr lang="de-CH" dirty="0"/>
+          </a:p>
+          <a:p>
+            <a:r>
+              <a:rPr lang="de-CH" dirty="0"/>
+              <a:t> R. Mohammad, O. Vicente, R. Joseph, and F. Ali "XNOR-Net: </a:t>
+            </a:r>
+            <a:r>
+              <a:rPr lang="de-CH" dirty="0" err="1"/>
+              <a:t>ImageNet</a:t>
+            </a:r>
+            <a:r>
+              <a:rPr lang="de-CH" dirty="0"/>
+              <a:t> Classification </a:t>
+            </a:r>
+            <a:r>
+              <a:rPr lang="de-CH" dirty="0" err="1"/>
+              <a:t>Using</a:t>
+            </a:r>
+            <a:r>
+              <a:rPr lang="de-CH" dirty="0"/>
+              <a:t> Binary </a:t>
+            </a:r>
+            <a:r>
+              <a:rPr lang="de-CH" dirty="0" err="1"/>
+              <a:t>Convolutional</a:t>
+            </a:r>
+            <a:r>
+              <a:rPr lang="de-CH" dirty="0"/>
+              <a:t> </a:t>
+            </a:r>
+            <a:r>
+              <a:rPr lang="de-CH" dirty="0" err="1"/>
+              <a:t>Neural</a:t>
+            </a:r>
+            <a:r>
+              <a:rPr lang="de-CH" dirty="0"/>
+              <a:t> Networks, " arXiv:1603.05279.</a:t>
+            </a:r>
+          </a:p>
+        </p:txBody>
+      </p:sp>
+      <p:sp>
+        <p:nvSpPr>
+          <p:cNvPr id="4" name="Slide Number Placeholder 3">
+            <a:extLst>
+              <a:ext uri="{FF2B5EF4-FFF2-40B4-BE49-F238E27FC236}">
+                <a16:creationId xmlns:a16="http://schemas.microsoft.com/office/drawing/2014/main" id="{C547A07C-E21C-4144-A4ED-9C495CF4947A}"/>
+              </a:ext>
+            </a:extLst>
+          </p:cNvPr>
+          <p:cNvSpPr>
+            <a:spLocks noGrp="1"/>
+          </p:cNvSpPr>
+          <p:nvPr>
+            <p:ph type="sldNum" sz="quarter" idx="12"/>
+          </p:nvPr>
+        </p:nvSpPr>
+        <p:spPr/>
+        <p:txBody>
+          <a:bodyPr/>
+          <a:lstStyle/>
+          <a:p>
+            <a:fld id="{98EBD0AD-64B8-4DAA-9B92-67751A92B898}" type="slidenum">
+              <a:rPr lang="en-GB" smtClean="0"/>
+              <a:t>20</a:t>
+            </a:fld>
+            <a:r>
+              <a:rPr lang="en-GB" dirty="0"/>
+              <a:t>/22</a:t>
+            </a:r>
+          </a:p>
+        </p:txBody>
+      </p:sp>
+    </p:spTree>
+    <p:extLst>
+      <p:ext uri="{BB962C8B-B14F-4D97-AF65-F5344CB8AC3E}">
+        <p14:creationId xmlns:p14="http://schemas.microsoft.com/office/powerpoint/2010/main" val="3771617533"/>
+      </p:ext>
+    </p:extLst>
+  </p:cSld>
+  <p:clrMapOvr>
+    <a:masterClrMapping/>
+  </p:clrMapOvr>
+</p:sld>
+</file>
+
+<file path=ppt/slides/slide21.xml><?xml version="1.0" encoding="utf-8"?>
+<p:sld xmlns:a="http://schemas.openxmlformats.org/drawingml/2006/main" xmlns:r="http://schemas.openxmlformats.org/officeDocument/2006/relationships" xmlns:p="http://schemas.openxmlformats.org/presentationml/2006/main">
+  <p:cSld>
+    <p:spTree>
+      <p:nvGrpSpPr>
+        <p:cNvPr id="1" name=""/>
+        <p:cNvGrpSpPr/>
+        <p:nvPr/>
+      </p:nvGrpSpPr>
+      <p:grpSpPr>
+        <a:xfrm>
+          <a:off x="0" y="0"/>
+          <a:ext cx="0" cy="0"/>
+          <a:chOff x="0" y="0"/>
+          <a:chExt cx="0" cy="0"/>
+        </a:xfrm>
+      </p:grpSpPr>
+      <p:sp>
+        <p:nvSpPr>
+          <p:cNvPr id="2" name="Title 1">
+            <a:extLst>
+              <a:ext uri="{FF2B5EF4-FFF2-40B4-BE49-F238E27FC236}">
+                <a16:creationId xmlns:a16="http://schemas.microsoft.com/office/drawing/2014/main" id="{970FF948-87C1-4F17-BF36-AF36A59F1D97}"/>
+              </a:ext>
+            </a:extLst>
+          </p:cNvPr>
+          <p:cNvSpPr>
+            <a:spLocks noGrp="1"/>
+          </p:cNvSpPr>
+          <p:nvPr>
+            <p:ph type="title"/>
+          </p:nvPr>
+        </p:nvSpPr>
+        <p:spPr/>
+        <p:txBody>
+          <a:bodyPr/>
+          <a:lstStyle/>
+          <a:p>
+            <a:r>
+              <a:rPr lang="en-US" dirty="0"/>
+              <a:t>Problem</a:t>
+            </a:r>
+            <a:endParaRPr lang="de-CH" dirty="0"/>
+          </a:p>
+        </p:txBody>
+      </p:sp>
+      <p:sp>
+        <p:nvSpPr>
+          <p:cNvPr id="3" name="Content Placeholder 2">
+            <a:extLst>
+              <a:ext uri="{FF2B5EF4-FFF2-40B4-BE49-F238E27FC236}">
+                <a16:creationId xmlns:a16="http://schemas.microsoft.com/office/drawing/2014/main" id="{57AF47DB-A3A3-4D89-B87E-56AF799D2829}"/>
+              </a:ext>
+            </a:extLst>
+          </p:cNvPr>
+          <p:cNvSpPr>
+            <a:spLocks noGrp="1"/>
+          </p:cNvSpPr>
+          <p:nvPr>
+            <p:ph idx="1"/>
+          </p:nvPr>
+        </p:nvSpPr>
+        <p:spPr/>
+        <p:txBody>
+          <a:bodyPr>
+            <a:normAutofit/>
+          </a:bodyPr>
+          <a:lstStyle/>
+          <a:p>
+            <a:r>
+              <a:rPr lang="en-US" dirty="0"/>
+              <a:t>We immediately found that different architectural approaches </a:t>
+            </a:r>
+            <a:br>
+              <a:rPr lang="en-US" dirty="0"/>
+            </a:br>
+            <a:r>
+              <a:rPr lang="en-US" dirty="0"/>
+              <a:t>do not allow for a full direct comparison of performance, </a:t>
+            </a:r>
+            <a:br>
+              <a:rPr lang="en-US" dirty="0"/>
+            </a:br>
+            <a:r>
+              <a:rPr lang="en-US" dirty="0"/>
+              <a:t>power consumption, latency, and data processing bandwidth</a:t>
+            </a:r>
+          </a:p>
+          <a:p>
+            <a:endParaRPr lang="en-US" dirty="0"/>
+          </a:p>
+          <a:p>
+            <a:r>
+              <a:rPr lang="en-US" dirty="0"/>
+              <a:t>State-of-the-art hardware</a:t>
+            </a:r>
+          </a:p>
+          <a:p>
+            <a:r>
+              <a:rPr lang="en-US" dirty="0"/>
+              <a:t>Optimization constructs</a:t>
+            </a:r>
+          </a:p>
+          <a:p>
+            <a:endParaRPr lang="en-US" dirty="0"/>
+          </a:p>
+          <a:p>
+            <a:r>
+              <a:rPr lang="de-CH" dirty="0">
+                <a:hlinkClick r:id="rId2"/>
+              </a:rPr>
+              <a:t>https://inaccel.com/cpu-gpu-fpga-or-tpu-which-one-to-choose-for-my-machine-learning-training/</a:t>
+            </a:r>
+            <a:endParaRPr lang="de-CH" dirty="0"/>
+          </a:p>
+          <a:p>
+            <a:endParaRPr lang="de-CH" dirty="0"/>
+          </a:p>
+        </p:txBody>
+      </p:sp>
+      <p:sp>
+        <p:nvSpPr>
+          <p:cNvPr id="4" name="Slide Number Placeholder 3">
+            <a:extLst>
+              <a:ext uri="{FF2B5EF4-FFF2-40B4-BE49-F238E27FC236}">
+                <a16:creationId xmlns:a16="http://schemas.microsoft.com/office/drawing/2014/main" id="{707EAEE1-D460-4A2E-8A06-7B9B36294FC8}"/>
+              </a:ext>
+            </a:extLst>
+          </p:cNvPr>
+          <p:cNvSpPr>
+            <a:spLocks noGrp="1"/>
+          </p:cNvSpPr>
+          <p:nvPr>
+            <p:ph type="sldNum" sz="quarter" idx="12"/>
+          </p:nvPr>
+        </p:nvSpPr>
+        <p:spPr/>
+        <p:txBody>
+          <a:bodyPr/>
+          <a:lstStyle/>
+          <a:p>
+            <a:fld id="{98EBD0AD-64B8-4DAA-9B92-67751A92B898}" type="slidenum">
+              <a:rPr lang="en-GB" smtClean="0"/>
+              <a:t>21</a:t>
+            </a:fld>
+            <a:r>
+              <a:rPr lang="en-GB" dirty="0"/>
+              <a:t>/22</a:t>
+            </a:r>
+          </a:p>
+        </p:txBody>
+      </p:sp>
+    </p:spTree>
+    <p:extLst>
+      <p:ext uri="{BB962C8B-B14F-4D97-AF65-F5344CB8AC3E}">
+        <p14:creationId xmlns:p14="http://schemas.microsoft.com/office/powerpoint/2010/main" val="2569598821"/>
+      </p:ext>
+    </p:extLst>
+  </p:cSld>
+  <p:clrMapOvr>
+    <a:masterClrMapping/>
+  </p:clrMapOvr>
+</p:sld>
+</file>
+
+<file path=ppt/slides/slide22.xml><?xml version="1.0" encoding="utf-8"?>
+<p:sld xmlns:a="http://schemas.openxmlformats.org/drawingml/2006/main" xmlns:r="http://schemas.openxmlformats.org/officeDocument/2006/relationships" xmlns:p="http://schemas.openxmlformats.org/presentationml/2006/main">
+  <p:cSld>
+    <p:spTree>
+      <p:nvGrpSpPr>
+        <p:cNvPr id="1" name=""/>
+        <p:cNvGrpSpPr/>
+        <p:nvPr/>
+      </p:nvGrpSpPr>
+      <p:grpSpPr>
+        <a:xfrm>
+          <a:off x="0" y="0"/>
+          <a:ext cx="0" cy="0"/>
+          <a:chOff x="0" y="0"/>
+          <a:chExt cx="0" cy="0"/>
+        </a:xfrm>
+      </p:grpSpPr>
+      <p:sp>
+        <p:nvSpPr>
+          <p:cNvPr id="2" name="Title 1">
+            <a:extLst>
+              <a:ext uri="{FF2B5EF4-FFF2-40B4-BE49-F238E27FC236}">
+                <a16:creationId xmlns:a16="http://schemas.microsoft.com/office/drawing/2014/main" id="{529A2F2A-435E-431F-AF38-C5BD39293012}"/>
+              </a:ext>
+            </a:extLst>
+          </p:cNvPr>
+          <p:cNvSpPr>
+            <a:spLocks noGrp="1"/>
+          </p:cNvSpPr>
+          <p:nvPr>
+            <p:ph type="title"/>
+          </p:nvPr>
+        </p:nvSpPr>
+        <p:spPr/>
+        <p:txBody>
+          <a:bodyPr/>
+          <a:lstStyle/>
+          <a:p>
+            <a:r>
+              <a:rPr lang="en-US" dirty="0"/>
+              <a:t>References</a:t>
+            </a:r>
+            <a:endParaRPr lang="de-CH" dirty="0"/>
+          </a:p>
+        </p:txBody>
+      </p:sp>
+      <p:sp>
+        <p:nvSpPr>
+          <p:cNvPr id="3" name="Content Placeholder 2">
+            <a:extLst>
+              <a:ext uri="{FF2B5EF4-FFF2-40B4-BE49-F238E27FC236}">
+                <a16:creationId xmlns:a16="http://schemas.microsoft.com/office/drawing/2014/main" id="{360ABA8A-AA0D-40BA-88C7-B9B524CAABFB}"/>
+              </a:ext>
+            </a:extLst>
+          </p:cNvPr>
+          <p:cNvSpPr>
+            <a:spLocks noGrp="1"/>
+          </p:cNvSpPr>
+          <p:nvPr>
+            <p:ph idx="1"/>
+          </p:nvPr>
+        </p:nvSpPr>
+        <p:spPr/>
+        <p:txBody>
+          <a:bodyPr>
+            <a:normAutofit fontScale="62500" lnSpcReduction="20000"/>
+          </a:bodyPr>
+          <a:lstStyle/>
+          <a:p>
+            <a:r>
+              <a:rPr lang="de-CH" dirty="0">
+                <a:hlinkClick r:id="rId2"/>
+              </a:rPr>
+              <a:t>https://www.aaai.org/Papers/AAAI/2002/AAAI02-034.pdf</a:t>
+            </a:r>
+            <a:endParaRPr lang="de-CH" dirty="0"/>
+          </a:p>
+          <a:p>
+            <a:r>
+              <a:rPr lang="de-CH" dirty="0">
+                <a:hlinkClick r:id="rId3"/>
+              </a:rPr>
+              <a:t>http://stanford.edu/~rezab/classes/cme323/S15/notes/lec14.pdf</a:t>
+            </a:r>
+            <a:endParaRPr lang="de-CH" dirty="0">
+              <a:hlinkClick r:id="rId4"/>
+            </a:endParaRPr>
+          </a:p>
+          <a:p>
+            <a:r>
+              <a:rPr lang="de-CH" dirty="0">
+                <a:hlinkClick r:id="rId4"/>
+              </a:rPr>
+              <a:t>http://www.cleveralgorithms.com/nature-inspired/advanced/racing_algorithms.html</a:t>
+            </a:r>
+            <a:endParaRPr lang="de-CH" dirty="0"/>
+          </a:p>
+          <a:p>
+            <a:r>
+              <a:rPr lang="de-CH" dirty="0">
+                <a:hlinkClick r:id="rId5"/>
+              </a:rPr>
+              <a:t>http://www.cmap.polytechnique.fr/~nikolaus.hansen/benchmarking-and-experimentation-gecco17-slides.pdf</a:t>
+            </a:r>
+            <a:endParaRPr lang="de-CH" dirty="0"/>
+          </a:p>
+          <a:p>
+            <a:r>
+              <a:rPr lang="de-CH" dirty="0">
+                <a:hlinkClick r:id="rId6"/>
+              </a:rPr>
+              <a:t>https://github.com/NVIDIA/kmeans</a:t>
+            </a:r>
+            <a:endParaRPr lang="de-CH" dirty="0"/>
+          </a:p>
+          <a:p>
+            <a:r>
+              <a:rPr lang="de-CH" dirty="0">
+                <a:hlinkClick r:id="rId7"/>
+              </a:rPr>
+              <a:t>https://github.com/Xtra-Computing/thundersvm</a:t>
+            </a:r>
+            <a:endParaRPr lang="de-CH" dirty="0"/>
+          </a:p>
+          <a:p>
+            <a:r>
+              <a:rPr lang="de-CH" dirty="0">
+                <a:hlinkClick r:id="rId8"/>
+              </a:rPr>
+              <a:t>https://github.com/Large-Scale-Tensor-Decomposition/tensorD</a:t>
+            </a:r>
+            <a:endParaRPr lang="de-CH" dirty="0"/>
+          </a:p>
+          <a:p>
+            <a:r>
+              <a:rPr lang="de-CH" dirty="0">
+                <a:hlinkClick r:id="rId9"/>
+              </a:rPr>
+              <a:t>http://rvlasveld.github.io/blog/2013/07/12/introduction-to-one-class-support-vector-machines/</a:t>
+            </a:r>
+            <a:endParaRPr lang="de-CH" dirty="0"/>
+          </a:p>
+          <a:p>
+            <a:r>
+              <a:rPr lang="de-CH" dirty="0">
+                <a:hlinkClick r:id="rId10"/>
+              </a:rPr>
+              <a:t>https://towardsdatascience.com/support-vector-machine-introduction-to-machine-learning-algorithms-934a444fca47</a:t>
+            </a:r>
+            <a:endParaRPr lang="de-CH" dirty="0"/>
+          </a:p>
+          <a:p>
+            <a:r>
+              <a:rPr lang="de-CH" dirty="0">
+                <a:hlinkClick r:id="rId11"/>
+              </a:rPr>
+              <a:t>https://quantdare.com/isolation-forest-algorithm/</a:t>
+            </a:r>
+            <a:endParaRPr lang="de-CH" dirty="0"/>
+          </a:p>
+          <a:p>
+            <a:r>
+              <a:rPr lang="de-CH" dirty="0">
+                <a:hlinkClick r:id="rId12"/>
+              </a:rPr>
+              <a:t>https://endymecy.gitbooks.io/spark-ml-source-analysis/content/%E6%8E%A8%E8%8D%90/papers/Large-scale%20Parallel%20Collaborative%20Filtering%20the%20Netflix%20Prize.pdf</a:t>
+            </a:r>
+            <a:endParaRPr lang="de-CH" dirty="0"/>
+          </a:p>
+        </p:txBody>
+      </p:sp>
+      <p:sp>
+        <p:nvSpPr>
+          <p:cNvPr id="4" name="Slide Number Placeholder 3">
+            <a:extLst>
+              <a:ext uri="{FF2B5EF4-FFF2-40B4-BE49-F238E27FC236}">
+                <a16:creationId xmlns:a16="http://schemas.microsoft.com/office/drawing/2014/main" id="{79EDE221-B5C0-4E4A-9F02-714F9E714580}"/>
+              </a:ext>
+            </a:extLst>
+          </p:cNvPr>
+          <p:cNvSpPr>
+            <a:spLocks noGrp="1"/>
+          </p:cNvSpPr>
+          <p:nvPr>
+            <p:ph type="sldNum" sz="quarter" idx="12"/>
+          </p:nvPr>
+        </p:nvSpPr>
+        <p:spPr/>
+        <p:txBody>
+          <a:bodyPr/>
+          <a:lstStyle/>
+          <a:p>
+            <a:fld id="{98EBD0AD-64B8-4DAA-9B92-67751A92B898}" type="slidenum">
+              <a:rPr lang="en-GB" smtClean="0"/>
+              <a:t>22</a:t>
+            </a:fld>
+            <a:r>
+              <a:rPr lang="en-GB" dirty="0"/>
+              <a:t>/22</a:t>
+            </a:r>
+          </a:p>
+        </p:txBody>
+      </p:sp>
+    </p:spTree>
+    <p:extLst>
+      <p:ext uri="{BB962C8B-B14F-4D97-AF65-F5344CB8AC3E}">
+        <p14:creationId xmlns:p14="http://schemas.microsoft.com/office/powerpoint/2010/main" val="1969550432"/>
       </p:ext>
     </p:extLst>
   </p:cSld>
@@ -5567,7 +7345,7 @@
             </a:fld>
             <a:r>
               <a:rPr lang="en-GB" dirty="0"/>
-              <a:t>/15</a:t>
+              <a:t>/22</a:t>
             </a:r>
           </a:p>
         </p:txBody>
@@ -5815,7 +7593,7 @@
             </a:fld>
             <a:r>
               <a:rPr lang="en-GB" dirty="0"/>
-              <a:t>/15</a:t>
+              <a:t>/22</a:t>
             </a:r>
           </a:p>
         </p:txBody>
@@ -6030,7 +7808,7 @@
             </a:fld>
             <a:r>
               <a:rPr lang="en-GB" dirty="0"/>
-              <a:t>/15</a:t>
+              <a:t>/22</a:t>
             </a:r>
           </a:p>
         </p:txBody>
@@ -6164,7 +7942,7 @@
             </a:fld>
             <a:r>
               <a:rPr lang="en-GB" dirty="0"/>
-              <a:t>/15</a:t>
+              <a:t>/22</a:t>
             </a:r>
           </a:p>
         </p:txBody>
@@ -6353,7 +8131,7 @@
             </a:fld>
             <a:r>
               <a:rPr lang="en-GB" dirty="0"/>
-              <a:t>/15</a:t>
+              <a:t>/22</a:t>
             </a:r>
           </a:p>
         </p:txBody>
@@ -6567,7 +8345,7 @@
             </a:fld>
             <a:r>
               <a:rPr lang="en-GB" dirty="0"/>
-              <a:t>/15</a:t>
+              <a:t>/22</a:t>
             </a:r>
           </a:p>
         </p:txBody>
@@ -6690,7 +8468,7 @@
             </a:fld>
             <a:r>
               <a:rPr lang="en-GB" dirty="0"/>
-              <a:t>/15</a:t>
+              <a:t>/22</a:t>
             </a:r>
           </a:p>
         </p:txBody>
